--- a/문서/2020-07-26/프로세스분할도_2조.pptx
+++ b/문서/2020-07-26/프로세스분할도_2조.pptx
@@ -142,7 +142,7 @@
   </p:defaultTextStyle>
   <p:extLst>
     <p:ext uri="{EFAFB233-063F-42B5-8137-9DF3F51BA10A}">
-      <p15:sldGuideLst xmlns="" xmlns:p15="http://schemas.microsoft.com/office/powerpoint/2012/main">
+      <p15:sldGuideLst xmlns:p15="http://schemas.microsoft.com/office/powerpoint/2012/main" xmlns="">
         <p15:guide id="1" orient="horz">
           <p15:clr>
             <a:srgbClr val="A4A3A4"/>
@@ -156,7 +156,7 @@
       </p15:sldGuideLst>
     </p:ext>
     <p:ext uri="{2D200454-40CA-4A62-9FC3-DE9A4176ACB9}">
-      <p15:notesGuideLst xmlns="" xmlns:p15="http://schemas.microsoft.com/office/powerpoint/2012/main">
+      <p15:notesGuideLst xmlns:p15="http://schemas.microsoft.com/office/powerpoint/2012/main" xmlns="">
         <p15:guide id="1" orient="horz" pos="3126">
           <p15:clr>
             <a:srgbClr val="A4A3A4"/>
@@ -297,7 +297,7 @@
               <a:pPr>
                 <a:defRPr/>
               </a:pPr>
-              <a:t>2020-07-22</a:t>
+              <a:t>2020-07-26</a:t>
             </a:fld>
             <a:endParaRPr lang="en-US" altLang="ko-KR"/>
           </a:p>
@@ -404,7 +404,7 @@
     </p:spTree>
     <p:extLst>
       <p:ext uri="{BB962C8B-B14F-4D97-AF65-F5344CB8AC3E}">
-        <p14:creationId xmlns:p14="http://schemas.microsoft.com/office/powerpoint/2010/main" val="1688851132"/>
+        <p14:creationId xmlns:p14="http://schemas.microsoft.com/office/powerpoint/2010/main" xmlns="" val="1688851132"/>
       </p:ext>
     </p:extLst>
   </p:cSld>
@@ -537,7 +537,7 @@
               <a:pPr>
                 <a:defRPr/>
               </a:pPr>
-              <a:t>2020-07-22</a:t>
+              <a:t>2020-07-26</a:t>
             </a:fld>
             <a:endParaRPr lang="en-US" altLang="ko-KR"/>
           </a:p>
@@ -751,7 +751,7 @@
     </p:spTree>
     <p:extLst>
       <p:ext uri="{BB962C8B-B14F-4D97-AF65-F5344CB8AC3E}">
-        <p14:creationId xmlns:p14="http://schemas.microsoft.com/office/powerpoint/2010/main" val="4101991240"/>
+        <p14:creationId xmlns:p14="http://schemas.microsoft.com/office/powerpoint/2010/main" xmlns="" val="4101991240"/>
       </p:ext>
     </p:extLst>
   </p:cSld>
@@ -933,7 +933,7 @@
     </p:spTree>
     <p:extLst>
       <p:ext uri="{BB962C8B-B14F-4D97-AF65-F5344CB8AC3E}">
-        <p14:creationId xmlns:p14="http://schemas.microsoft.com/office/powerpoint/2010/main" val="4016223290"/>
+        <p14:creationId xmlns:p14="http://schemas.microsoft.com/office/powerpoint/2010/main" xmlns="" val="4016223290"/>
       </p:ext>
     </p:extLst>
   </p:cSld>
@@ -2000,7 +2000,7 @@
         </p:nvSpPr>
         <p:spPr bwMode="gray">
           <a:xfrm>
-            <a:off x="4195961" y="1085240"/>
+            <a:off x="4485903" y="1124744"/>
             <a:ext cx="1184275" cy="360363"/>
           </a:xfrm>
           <a:prstGeom prst="rect">
@@ -2042,27 +2042,7 @@
                 <a:latin typeface="맑은 고딕" pitchFamily="50" charset="-127"/>
                 <a:ea typeface="맑은 고딕" pitchFamily="50" charset="-127"/>
               </a:rPr>
-              <a:t> </a:t>
-            </a:r>
-            <a:r>
-              <a:rPr lang="ko-KR" altLang="en-US" sz="1000" dirty="0" smtClean="0">
-                <a:solidFill>
-                  <a:srgbClr val="000000"/>
-                </a:solidFill>
-                <a:latin typeface="맑은 고딕" pitchFamily="50" charset="-127"/>
-                <a:ea typeface="맑은 고딕" pitchFamily="50" charset="-127"/>
-              </a:rPr>
-              <a:t>팀 </a:t>
-            </a:r>
-            <a:r>
-              <a:rPr lang="ko-KR" altLang="en-US" sz="1000" dirty="0" smtClean="0">
-                <a:solidFill>
-                  <a:srgbClr val="000000"/>
-                </a:solidFill>
-                <a:latin typeface="맑은 고딕" pitchFamily="50" charset="-127"/>
-                <a:ea typeface="맑은 고딕" pitchFamily="50" charset="-127"/>
-              </a:rPr>
-              <a:t>메이커</a:t>
+              <a:t> 팀 메이커</a:t>
             </a:r>
             <a:endParaRPr lang="ko-KR" altLang="en-US" sz="1000" b="1" dirty="0">
               <a:solidFill>
@@ -2084,7 +2064,7 @@
         </p:nvSpPr>
         <p:spPr bwMode="auto">
           <a:xfrm>
-            <a:off x="8156401" y="2133968"/>
+            <a:off x="6430119" y="2132856"/>
             <a:ext cx="1441450" cy="269875"/>
           </a:xfrm>
           <a:prstGeom prst="rect">
@@ -2130,7 +2110,21 @@
                 <a:latin typeface="맑은 고딕" pitchFamily="50" charset="-127"/>
                 <a:ea typeface="맑은 고딕" pitchFamily="50" charset="-127"/>
               </a:rPr>
-              <a:t>. </a:t>
+              <a:t>.1 </a:t>
+            </a:r>
+            <a:r>
+              <a:rPr lang="ko-KR" altLang="en-US" sz="900" b="1" dirty="0" smtClean="0">
+                <a:latin typeface="맑은 고딕" pitchFamily="50" charset="-127"/>
+                <a:ea typeface="맑은 고딕" pitchFamily="50" charset="-127"/>
+              </a:rPr>
+              <a:t>관리자</a:t>
+            </a:r>
+            <a:r>
+              <a:rPr lang="en-US" altLang="ko-KR" sz="900" b="1" dirty="0" smtClean="0">
+                <a:latin typeface="맑은 고딕" pitchFamily="50" charset="-127"/>
+                <a:ea typeface="맑은 고딕" pitchFamily="50" charset="-127"/>
+              </a:rPr>
+              <a:t> </a:t>
             </a:r>
             <a:endParaRPr lang="ko-KR" altLang="en-US" sz="900" b="1" dirty="0">
               <a:latin typeface="맑은 고딕" pitchFamily="50" charset="-127"/>
@@ -2149,7 +2143,7 @@
         </p:nvSpPr>
         <p:spPr bwMode="auto">
           <a:xfrm>
-            <a:off x="2767308" y="2133968"/>
+            <a:off x="2253655" y="2132856"/>
             <a:ext cx="1399706" cy="269875"/>
           </a:xfrm>
           <a:prstGeom prst="rect">
@@ -2195,7 +2189,7 @@
                 <a:latin typeface="맑은 고딕" pitchFamily="50" charset="-127"/>
                 <a:ea typeface="맑은 고딕" pitchFamily="50" charset="-127"/>
               </a:rPr>
-              <a:t>. </a:t>
+              <a:t>.1  </a:t>
             </a:r>
             <a:r>
               <a:rPr lang="ko-KR" altLang="en-US" sz="900" b="1" dirty="0" smtClean="0">
@@ -2222,7 +2216,7 @@
         </p:nvCxnSpPr>
         <p:spPr>
           <a:xfrm>
-            <a:off x="3467161" y="2403843"/>
+            <a:off x="2953508" y="2402731"/>
             <a:ext cx="0" cy="0"/>
           </a:xfrm>
           <a:prstGeom prst="line">
@@ -2261,7 +2255,7 @@
         </p:nvSpPr>
         <p:spPr bwMode="auto">
           <a:xfrm>
-            <a:off x="5695528" y="2133784"/>
+            <a:off x="4376936" y="2132856"/>
             <a:ext cx="1399706" cy="269875"/>
           </a:xfrm>
           <a:prstGeom prst="rect">
@@ -2307,7 +2301,7 @@
                 <a:latin typeface="맑은 고딕" pitchFamily="50" charset="-127"/>
                 <a:ea typeface="맑은 고딕" pitchFamily="50" charset="-127"/>
               </a:rPr>
-              <a:t>. </a:t>
+              <a:t>.1  </a:t>
             </a:r>
             <a:r>
               <a:rPr lang="ko-KR" altLang="en-US" sz="900" b="1" dirty="0" smtClean="0">
@@ -2333,7 +2327,7 @@
         </p:nvSpPr>
         <p:spPr bwMode="auto">
           <a:xfrm>
-            <a:off x="379537" y="2133968"/>
+            <a:off x="200472" y="2133968"/>
             <a:ext cx="1399706" cy="269875"/>
           </a:xfrm>
           <a:prstGeom prst="rect">
@@ -2382,11 +2376,32 @@
               <a:t>. </a:t>
             </a:r>
             <a:r>
+              <a:rPr lang="en-US" altLang="ko-KR" sz="900" b="1" dirty="0" smtClean="0">
+                <a:latin typeface="맑은 고딕" pitchFamily="50" charset="-127"/>
+                <a:ea typeface="맑은 고딕" pitchFamily="50" charset="-127"/>
+              </a:rPr>
+              <a:t>1 </a:t>
+            </a:r>
+            <a:r>
               <a:rPr lang="ko-KR" altLang="en-US" sz="900" b="1" dirty="0" smtClean="0">
                 <a:latin typeface="맑은 고딕" pitchFamily="50" charset="-127"/>
                 <a:ea typeface="맑은 고딕" pitchFamily="50" charset="-127"/>
               </a:rPr>
-              <a:t>회원관리</a:t>
+              <a:t>회원 </a:t>
+            </a:r>
+            <a:r>
+              <a:rPr lang="ko-KR" altLang="en-US" sz="900" dirty="0" smtClean="0">
+                <a:latin typeface="맑은 고딕" pitchFamily="50" charset="-127"/>
+                <a:ea typeface="맑은 고딕" pitchFamily="50" charset="-127"/>
+              </a:rPr>
+              <a:t>시스</a:t>
+            </a:r>
+            <a:r>
+              <a:rPr lang="ko-KR" altLang="en-US" sz="900" dirty="0" smtClean="0">
+                <a:latin typeface="맑은 고딕" pitchFamily="50" charset="-127"/>
+                <a:ea typeface="맑은 고딕" pitchFamily="50" charset="-127"/>
+              </a:rPr>
+              <a:t>템</a:t>
             </a:r>
             <a:endParaRPr lang="ko-KR" altLang="en-US" sz="900" b="1" dirty="0">
               <a:latin typeface="맑은 고딕" pitchFamily="50" charset="-127"/>
@@ -2395,49 +2410,6 @@
           </a:p>
         </p:txBody>
       </p:sp>
-      <p:cxnSp>
-        <p:nvCxnSpPr>
-          <p:cNvPr id="9" name="꺾인 연결선 8"/>
-          <p:cNvCxnSpPr>
-            <a:stCxn id="36" idx="2"/>
-            <a:endCxn id="15" idx="0"/>
-          </p:cNvCxnSpPr>
-          <p:nvPr/>
-        </p:nvCxnSpPr>
-        <p:spPr>
-          <a:xfrm rot="16200000" flipH="1">
-            <a:off x="5247650" y="986052"/>
-            <a:ext cx="688181" cy="1607282"/>
-          </a:xfrm>
-          <a:prstGeom prst="bentConnector3">
-            <a:avLst>
-              <a:gd name="adj1" fmla="val 50000"/>
-            </a:avLst>
-          </a:prstGeom>
-          <a:ln w="19050">
-            <a:solidFill>
-              <a:schemeClr val="bg1">
-                <a:lumMod val="50000"/>
-              </a:schemeClr>
-            </a:solidFill>
-            <a:tailEnd type="arrow"/>
-          </a:ln>
-        </p:spPr>
-        <p:style>
-          <a:lnRef idx="1">
-            <a:schemeClr val="accent1"/>
-          </a:lnRef>
-          <a:fillRef idx="0">
-            <a:schemeClr val="accent1"/>
-          </a:fillRef>
-          <a:effectRef idx="0">
-            <a:schemeClr val="accent1"/>
-          </a:effectRef>
-          <a:fontRef idx="minor">
-            <a:schemeClr val="tx1"/>
-          </a:fontRef>
-        </p:style>
-      </p:cxnSp>
       <p:cxnSp>
         <p:nvCxnSpPr>
           <p:cNvPr id="16" name="꺾인 연결선 15"/>
@@ -2449,8 +2421,8 @@
         </p:nvCxnSpPr>
         <p:spPr>
           <a:xfrm rot="16200000" flipH="1">
-            <a:off x="6488430" y="-254729"/>
-            <a:ext cx="688365" cy="4089027"/>
+            <a:off x="5790568" y="772579"/>
+            <a:ext cx="647749" cy="2072803"/>
           </a:xfrm>
           <a:prstGeom prst="bentConnector3">
             <a:avLst>
@@ -2492,8 +2464,8 @@
         </p:nvCxnSpPr>
         <p:spPr>
           <a:xfrm rot="5400000">
-            <a:off x="3783448" y="1129316"/>
-            <a:ext cx="688365" cy="1320938"/>
+            <a:off x="3691901" y="746715"/>
+            <a:ext cx="647749" cy="2124533"/>
           </a:xfrm>
           <a:prstGeom prst="bentConnector3">
             <a:avLst>
@@ -2535,8 +2507,8 @@
         </p:nvCxnSpPr>
         <p:spPr>
           <a:xfrm rot="5400000">
-            <a:off x="2589563" y="-64569"/>
-            <a:ext cx="688365" cy="3708709"/>
+            <a:off x="2664753" y="-279321"/>
+            <a:ext cx="648861" cy="4177716"/>
           </a:xfrm>
           <a:prstGeom prst="bentConnector3">
             <a:avLst>
@@ -2567,10 +2539,615 @@
           </a:fontRef>
         </p:style>
       </p:cxnSp>
+      <p:sp>
+        <p:nvSpPr>
+          <p:cNvPr id="14" name="TextBox 13"/>
+          <p:cNvSpPr txBox="1"/>
+          <p:nvPr/>
+        </p:nvSpPr>
+        <p:spPr>
+          <a:xfrm>
+            <a:off x="344488" y="2852936"/>
+            <a:ext cx="1031051" cy="861774"/>
+          </a:xfrm>
+          <a:prstGeom prst="rect">
+            <a:avLst/>
+          </a:prstGeom>
+          <a:noFill/>
+        </p:spPr>
+        <p:txBody>
+          <a:bodyPr wrap="none" rtlCol="0">
+            <a:spAutoFit/>
+          </a:bodyPr>
+          <a:lstStyle/>
+          <a:p>
+            <a:r>
+              <a:rPr lang="en-US" altLang="ko-KR" sz="1000" dirty="0" smtClean="0">
+                <a:latin typeface="+mj-ea"/>
+                <a:ea typeface="+mj-ea"/>
+              </a:rPr>
+              <a:t>1.1.1 </a:t>
+            </a:r>
+            <a:r>
+              <a:rPr lang="ko-KR" altLang="en-US" sz="1000" dirty="0" smtClean="0">
+                <a:latin typeface="+mj-ea"/>
+                <a:ea typeface="+mj-ea"/>
+              </a:rPr>
+              <a:t>회원가입</a:t>
+            </a:r>
+            <a:endParaRPr lang="en-US" altLang="ko-KR" sz="1000" dirty="0" smtClean="0">
+              <a:latin typeface="+mj-ea"/>
+              <a:ea typeface="+mj-ea"/>
+            </a:endParaRPr>
+          </a:p>
+          <a:p>
+            <a:r>
+              <a:rPr lang="en-US" altLang="ko-KR" sz="1000" dirty="0" smtClean="0">
+                <a:latin typeface="+mj-ea"/>
+                <a:ea typeface="+mj-ea"/>
+              </a:rPr>
+              <a:t>1.1.2 </a:t>
+            </a:r>
+            <a:r>
+              <a:rPr lang="ko-KR" altLang="en-US" sz="1000" dirty="0" smtClean="0">
+                <a:latin typeface="+mj-ea"/>
+                <a:ea typeface="+mj-ea"/>
+              </a:rPr>
+              <a:t>로그인</a:t>
+            </a:r>
+            <a:endParaRPr lang="en-US" altLang="ko-KR" sz="1000" dirty="0" smtClean="0">
+              <a:latin typeface="+mj-ea"/>
+              <a:ea typeface="+mj-ea"/>
+            </a:endParaRPr>
+          </a:p>
+          <a:p>
+            <a:r>
+              <a:rPr lang="en-US" altLang="ko-KR" sz="1000" dirty="0" smtClean="0">
+                <a:latin typeface="+mj-ea"/>
+                <a:ea typeface="+mj-ea"/>
+              </a:rPr>
+              <a:t>1.1.3 </a:t>
+            </a:r>
+            <a:r>
+              <a:rPr lang="ko-KR" altLang="en-US" sz="1000" dirty="0" smtClean="0">
+                <a:latin typeface="+mj-ea"/>
+                <a:ea typeface="+mj-ea"/>
+              </a:rPr>
+              <a:t>시스템</a:t>
+            </a:r>
+            <a:endParaRPr lang="en-US" altLang="ko-KR" sz="1000" dirty="0" smtClean="0">
+              <a:latin typeface="+mj-ea"/>
+              <a:ea typeface="+mj-ea"/>
+            </a:endParaRPr>
+          </a:p>
+          <a:p>
+            <a:r>
+              <a:rPr lang="en-US" altLang="ko-KR" sz="1000" dirty="0" smtClean="0">
+                <a:latin typeface="+mj-ea"/>
+                <a:ea typeface="+mj-ea"/>
+              </a:rPr>
+              <a:t> </a:t>
+            </a:r>
+            <a:r>
+              <a:rPr lang="en-US" altLang="ko-KR" sz="1000" dirty="0" smtClean="0">
+                <a:latin typeface="+mj-ea"/>
+                <a:ea typeface="+mj-ea"/>
+              </a:rPr>
+              <a:t>(</a:t>
+            </a:r>
+            <a:r>
+              <a:rPr lang="ko-KR" altLang="en-US" sz="1000" dirty="0" smtClean="0">
+                <a:latin typeface="+mj-ea"/>
+                <a:ea typeface="+mj-ea"/>
+              </a:rPr>
+              <a:t>수정</a:t>
+            </a:r>
+            <a:r>
+              <a:rPr lang="en-US" altLang="ko-KR" sz="1000" dirty="0" smtClean="0">
+                <a:latin typeface="+mj-ea"/>
+                <a:ea typeface="+mj-ea"/>
+              </a:rPr>
+              <a:t>, </a:t>
+            </a:r>
+            <a:r>
+              <a:rPr lang="ko-KR" altLang="en-US" sz="1000" dirty="0" smtClean="0">
+                <a:latin typeface="+mj-ea"/>
+                <a:ea typeface="+mj-ea"/>
+              </a:rPr>
+              <a:t>탈퇴</a:t>
+            </a:r>
+            <a:r>
+              <a:rPr lang="en-US" altLang="ko-KR" sz="1000" dirty="0" smtClean="0">
+                <a:latin typeface="+mj-ea"/>
+                <a:ea typeface="+mj-ea"/>
+              </a:rPr>
+              <a:t>)</a:t>
+            </a:r>
+            <a:endParaRPr lang="en-US" altLang="ko-KR" sz="1000" dirty="0" smtClean="0">
+              <a:latin typeface="+mj-ea"/>
+              <a:ea typeface="+mj-ea"/>
+            </a:endParaRPr>
+          </a:p>
+          <a:p>
+            <a:endParaRPr lang="ko-KR" altLang="en-US" sz="1000" dirty="0" smtClean="0">
+              <a:latin typeface="+mj-ea"/>
+              <a:ea typeface="+mj-ea"/>
+            </a:endParaRPr>
+          </a:p>
+        </p:txBody>
+      </p:sp>
+      <p:sp>
+        <p:nvSpPr>
+          <p:cNvPr id="17" name="TextBox 16"/>
+          <p:cNvSpPr txBox="1"/>
+          <p:nvPr/>
+        </p:nvSpPr>
+        <p:spPr>
+          <a:xfrm>
+            <a:off x="2288704" y="2780928"/>
+            <a:ext cx="1356462" cy="1015663"/>
+          </a:xfrm>
+          <a:prstGeom prst="rect">
+            <a:avLst/>
+          </a:prstGeom>
+          <a:noFill/>
+        </p:spPr>
+        <p:txBody>
+          <a:bodyPr wrap="none" rtlCol="0">
+            <a:spAutoFit/>
+          </a:bodyPr>
+          <a:lstStyle/>
+          <a:p>
+            <a:r>
+              <a:rPr lang="en-US" altLang="ko-KR" sz="1000" dirty="0" smtClean="0">
+                <a:latin typeface="+mj-ea"/>
+                <a:ea typeface="+mj-ea"/>
+              </a:rPr>
+              <a:t>1.2.1 </a:t>
+            </a:r>
+            <a:r>
+              <a:rPr lang="ko-KR" altLang="en-US" sz="1000" dirty="0" smtClean="0">
+                <a:latin typeface="+mj-ea"/>
+                <a:ea typeface="+mj-ea"/>
+              </a:rPr>
+              <a:t>팀원 모집</a:t>
+            </a:r>
+            <a:endParaRPr lang="en-US" altLang="ko-KR" sz="1000" dirty="0" smtClean="0">
+              <a:latin typeface="+mj-ea"/>
+              <a:ea typeface="+mj-ea"/>
+            </a:endParaRPr>
+          </a:p>
+          <a:p>
+            <a:r>
+              <a:rPr lang="en-US" altLang="ko-KR" sz="1000" dirty="0" smtClean="0">
+                <a:latin typeface="+mj-ea"/>
+                <a:ea typeface="+mj-ea"/>
+              </a:rPr>
+              <a:t>1.2.2 </a:t>
+            </a:r>
+            <a:r>
+              <a:rPr lang="ko-KR" altLang="en-US" sz="1000" dirty="0" smtClean="0">
+                <a:latin typeface="+mj-ea"/>
+                <a:ea typeface="+mj-ea"/>
+              </a:rPr>
+              <a:t>공모전</a:t>
+            </a:r>
+            <a:endParaRPr lang="en-US" altLang="ko-KR" sz="1000" dirty="0" smtClean="0">
+              <a:latin typeface="+mj-ea"/>
+              <a:ea typeface="+mj-ea"/>
+            </a:endParaRPr>
+          </a:p>
+          <a:p>
+            <a:r>
+              <a:rPr lang="en-US" altLang="ko-KR" sz="1000" dirty="0" smtClean="0">
+                <a:latin typeface="+mj-ea"/>
+                <a:ea typeface="+mj-ea"/>
+              </a:rPr>
+              <a:t>1.2.3 </a:t>
+            </a:r>
+            <a:r>
+              <a:rPr lang="ko-KR" altLang="en-US" sz="1000" dirty="0" smtClean="0">
+                <a:latin typeface="+mj-ea"/>
+                <a:ea typeface="+mj-ea"/>
+              </a:rPr>
+              <a:t>대외활동</a:t>
+            </a:r>
+            <a:endParaRPr lang="en-US" altLang="ko-KR" sz="1000" dirty="0" smtClean="0">
+              <a:latin typeface="+mj-ea"/>
+              <a:ea typeface="+mj-ea"/>
+            </a:endParaRPr>
+          </a:p>
+          <a:p>
+            <a:r>
+              <a:rPr lang="en-US" altLang="ko-KR" sz="1000" dirty="0" smtClean="0">
+                <a:latin typeface="+mj-ea"/>
+                <a:ea typeface="+mj-ea"/>
+              </a:rPr>
+              <a:t>1.2.4. </a:t>
+            </a:r>
+            <a:r>
+              <a:rPr lang="ko-KR" altLang="en-US" sz="1000" dirty="0" smtClean="0">
+                <a:latin typeface="+mj-ea"/>
+                <a:ea typeface="+mj-ea"/>
+              </a:rPr>
+              <a:t>커뮤니티</a:t>
+            </a:r>
+            <a:endParaRPr lang="en-US" altLang="ko-KR" sz="1000" dirty="0" smtClean="0">
+              <a:latin typeface="+mj-ea"/>
+              <a:ea typeface="+mj-ea"/>
+            </a:endParaRPr>
+          </a:p>
+          <a:p>
+            <a:r>
+              <a:rPr lang="en-US" altLang="ko-KR" sz="1000" dirty="0" smtClean="0">
+                <a:latin typeface="+mj-ea"/>
+                <a:ea typeface="+mj-ea"/>
+              </a:rPr>
+              <a:t> </a:t>
+            </a:r>
+            <a:r>
+              <a:rPr lang="en-US" altLang="ko-KR" sz="1000" dirty="0" smtClean="0">
+                <a:latin typeface="+mj-ea"/>
+                <a:ea typeface="+mj-ea"/>
+              </a:rPr>
+              <a:t> 1.2.4.1 </a:t>
+            </a:r>
+            <a:r>
+              <a:rPr lang="ko-KR" altLang="en-US" sz="1000" dirty="0" smtClean="0">
+                <a:latin typeface="+mj-ea"/>
+                <a:ea typeface="+mj-ea"/>
+              </a:rPr>
+              <a:t>자유게시판</a:t>
+            </a:r>
+            <a:endParaRPr lang="en-US" altLang="ko-KR" sz="1000" dirty="0" smtClean="0">
+              <a:latin typeface="+mj-ea"/>
+              <a:ea typeface="+mj-ea"/>
+            </a:endParaRPr>
+          </a:p>
+          <a:p>
+            <a:r>
+              <a:rPr lang="en-US" altLang="ko-KR" sz="1000" dirty="0" smtClean="0">
+                <a:latin typeface="+mj-ea"/>
+                <a:ea typeface="+mj-ea"/>
+              </a:rPr>
+              <a:t> </a:t>
+            </a:r>
+            <a:r>
+              <a:rPr lang="en-US" altLang="ko-KR" sz="1000" dirty="0" smtClean="0">
+                <a:latin typeface="+mj-ea"/>
+                <a:ea typeface="+mj-ea"/>
+              </a:rPr>
+              <a:t> 1.2.4.2 </a:t>
+            </a:r>
+            <a:r>
+              <a:rPr lang="ko-KR" altLang="en-US" sz="1000" dirty="0" smtClean="0">
+                <a:latin typeface="+mj-ea"/>
+                <a:ea typeface="+mj-ea"/>
+              </a:rPr>
+              <a:t>관련기사</a:t>
+            </a:r>
+            <a:endParaRPr lang="en-US" altLang="ko-KR" sz="1000" dirty="0" smtClean="0">
+              <a:latin typeface="+mj-ea"/>
+              <a:ea typeface="+mj-ea"/>
+            </a:endParaRPr>
+          </a:p>
+        </p:txBody>
+      </p:sp>
+      <p:sp>
+        <p:nvSpPr>
+          <p:cNvPr id="18" name="TextBox 17"/>
+          <p:cNvSpPr txBox="1"/>
+          <p:nvPr/>
+        </p:nvSpPr>
+        <p:spPr>
+          <a:xfrm>
+            <a:off x="4376936" y="2780928"/>
+            <a:ext cx="1293944" cy="400110"/>
+          </a:xfrm>
+          <a:prstGeom prst="rect">
+            <a:avLst/>
+          </a:prstGeom>
+          <a:noFill/>
+        </p:spPr>
+        <p:txBody>
+          <a:bodyPr wrap="none" rtlCol="0">
+            <a:spAutoFit/>
+          </a:bodyPr>
+          <a:lstStyle/>
+          <a:p>
+            <a:r>
+              <a:rPr lang="en-US" altLang="ko-KR" sz="1000" dirty="0" smtClean="0">
+                <a:latin typeface="+mj-ea"/>
+                <a:ea typeface="+mj-ea"/>
+              </a:rPr>
+              <a:t>1.3.1 </a:t>
+            </a:r>
+            <a:r>
+              <a:rPr lang="ko-KR" altLang="en-US" sz="1000" dirty="0" smtClean="0">
+                <a:latin typeface="+mj-ea"/>
+                <a:ea typeface="+mj-ea"/>
+              </a:rPr>
+              <a:t>조회 시스템</a:t>
+            </a:r>
+            <a:endParaRPr lang="en-US" altLang="ko-KR" sz="1000" dirty="0" smtClean="0">
+              <a:latin typeface="+mj-ea"/>
+              <a:ea typeface="+mj-ea"/>
+            </a:endParaRPr>
+          </a:p>
+          <a:p>
+            <a:r>
+              <a:rPr lang="en-US" altLang="ko-KR" sz="1000" dirty="0" smtClean="0">
+                <a:latin typeface="+mj-ea"/>
+                <a:ea typeface="+mj-ea"/>
+              </a:rPr>
+              <a:t>1.3.2 </a:t>
+            </a:r>
+            <a:r>
+              <a:rPr lang="ko-KR" altLang="en-US" sz="1000" dirty="0" smtClean="0">
+                <a:latin typeface="+mj-ea"/>
+                <a:ea typeface="+mj-ea"/>
+              </a:rPr>
+              <a:t>수정 시스템</a:t>
+            </a:r>
+            <a:r>
+              <a:rPr lang="en-US" altLang="ko-KR" sz="1000" dirty="0" smtClean="0">
+                <a:latin typeface="+mj-ea"/>
+                <a:ea typeface="+mj-ea"/>
+              </a:rPr>
+              <a:t>  </a:t>
+            </a:r>
+          </a:p>
+        </p:txBody>
+      </p:sp>
+      <p:sp>
+        <p:nvSpPr>
+          <p:cNvPr id="24" name="Rectangle 294"/>
+          <p:cNvSpPr>
+            <a:spLocks noChangeArrowheads="1"/>
+          </p:cNvSpPr>
+          <p:nvPr/>
+        </p:nvSpPr>
+        <p:spPr bwMode="auto">
+          <a:xfrm>
+            <a:off x="8301037" y="2132856"/>
+            <a:ext cx="1441450" cy="269875"/>
+          </a:xfrm>
+          <a:prstGeom prst="rect">
+            <a:avLst/>
+          </a:prstGeom>
+          <a:solidFill>
+            <a:schemeClr val="bg1">
+              <a:lumMod val="95000"/>
+            </a:schemeClr>
+          </a:solidFill>
+          <a:ln w="9525" algn="ctr">
+            <a:solidFill>
+              <a:srgbClr val="000000"/>
+            </a:solidFill>
+            <a:miter lim="800000"/>
+            <a:headEnd type="none" w="sm" len="sm"/>
+            <a:tailEnd type="none" w="sm" len="sm"/>
+          </a:ln>
+          <a:effectLst>
+            <a:outerShdw blurRad="63500" sx="102000" sy="102000" algn="ctr" rotWithShape="0">
+              <a:prstClr val="black">
+                <a:alpha val="40000"/>
+              </a:prstClr>
+            </a:outerShdw>
+          </a:effectLst>
+        </p:spPr>
+        <p:txBody>
+          <a:bodyPr anchor="ctr" anchorCtr="1"/>
+          <a:lstStyle/>
+          <a:p>
+            <a:pPr algn="ctr" defTabSz="762000">
+              <a:defRPr/>
+            </a:pPr>
+            <a:r>
+              <a:rPr lang="en-US" altLang="ko-KR" sz="900" dirty="0" smtClean="0">
+                <a:latin typeface="맑은 고딕" pitchFamily="50" charset="-127"/>
+                <a:ea typeface="맑은 고딕" pitchFamily="50" charset="-127"/>
+              </a:rPr>
+              <a:t>5.1</a:t>
+            </a:r>
+            <a:r>
+              <a:rPr lang="en-US" altLang="ko-KR" sz="900" b="1" dirty="0" smtClean="0">
+                <a:latin typeface="맑은 고딕" pitchFamily="50" charset="-127"/>
+                <a:ea typeface="맑은 고딕" pitchFamily="50" charset="-127"/>
+              </a:rPr>
+              <a:t> </a:t>
+            </a:r>
+            <a:r>
+              <a:rPr lang="ko-KR" altLang="en-US" sz="900" b="1" dirty="0" smtClean="0">
+                <a:latin typeface="맑은 고딕" pitchFamily="50" charset="-127"/>
+                <a:ea typeface="맑은 고딕" pitchFamily="50" charset="-127"/>
+              </a:rPr>
+              <a:t>기타</a:t>
+            </a:r>
+            <a:endParaRPr lang="ko-KR" altLang="en-US" sz="900" b="1" dirty="0">
+              <a:latin typeface="맑은 고딕" pitchFamily="50" charset="-127"/>
+              <a:ea typeface="맑은 고딕" pitchFamily="50" charset="-127"/>
+            </a:endParaRPr>
+          </a:p>
+        </p:txBody>
+      </p:sp>
+      <p:sp>
+        <p:nvSpPr>
+          <p:cNvPr id="28" name="TextBox 27"/>
+          <p:cNvSpPr txBox="1"/>
+          <p:nvPr/>
+        </p:nvSpPr>
+        <p:spPr>
+          <a:xfrm>
+            <a:off x="8481392" y="2852936"/>
+            <a:ext cx="1120820" cy="246221"/>
+          </a:xfrm>
+          <a:prstGeom prst="rect">
+            <a:avLst/>
+          </a:prstGeom>
+          <a:noFill/>
+        </p:spPr>
+        <p:txBody>
+          <a:bodyPr wrap="none" rtlCol="0">
+            <a:spAutoFit/>
+          </a:bodyPr>
+          <a:lstStyle/>
+          <a:p>
+            <a:r>
+              <a:rPr lang="en-US" altLang="ko-KR" sz="1000" dirty="0" smtClean="0">
+                <a:latin typeface="+mj-ea"/>
+                <a:ea typeface="+mj-ea"/>
+              </a:rPr>
+              <a:t>1.5.1 </a:t>
+            </a:r>
+            <a:r>
+              <a:rPr lang="ko-KR" altLang="en-US" sz="1000" dirty="0" smtClean="0">
+                <a:latin typeface="+mj-ea"/>
+                <a:ea typeface="+mj-ea"/>
+              </a:rPr>
+              <a:t>팀 서비스</a:t>
+            </a:r>
+            <a:r>
+              <a:rPr lang="en-US" altLang="ko-KR" sz="1000" dirty="0" smtClean="0">
+                <a:latin typeface="+mj-ea"/>
+                <a:ea typeface="+mj-ea"/>
+              </a:rPr>
+              <a:t> </a:t>
+            </a:r>
+          </a:p>
+        </p:txBody>
+      </p:sp>
+      <p:sp>
+        <p:nvSpPr>
+          <p:cNvPr id="29" name="TextBox 28"/>
+          <p:cNvSpPr txBox="1"/>
+          <p:nvPr/>
+        </p:nvSpPr>
+        <p:spPr>
+          <a:xfrm>
+            <a:off x="6537176" y="2852936"/>
+            <a:ext cx="1332416" cy="246221"/>
+          </a:xfrm>
+          <a:prstGeom prst="rect">
+            <a:avLst/>
+          </a:prstGeom>
+          <a:noFill/>
+        </p:spPr>
+        <p:txBody>
+          <a:bodyPr wrap="none" rtlCol="0">
+            <a:spAutoFit/>
+          </a:bodyPr>
+          <a:lstStyle/>
+          <a:p>
+            <a:r>
+              <a:rPr lang="en-US" altLang="ko-KR" sz="1000" dirty="0" smtClean="0">
+                <a:latin typeface="+mj-ea"/>
+                <a:ea typeface="+mj-ea"/>
+              </a:rPr>
+              <a:t>1.4.1 </a:t>
+            </a:r>
+            <a:r>
+              <a:rPr lang="ko-KR" altLang="en-US" sz="1000" dirty="0" smtClean="0">
+                <a:latin typeface="+mj-ea"/>
+                <a:ea typeface="+mj-ea"/>
+              </a:rPr>
+              <a:t>관리자 시스템</a:t>
+            </a:r>
+            <a:endParaRPr lang="ko-KR" altLang="en-US" sz="1000" dirty="0" smtClean="0">
+              <a:latin typeface="+mj-ea"/>
+              <a:ea typeface="+mj-ea"/>
+            </a:endParaRPr>
+          </a:p>
+        </p:txBody>
+      </p:sp>
+      <p:cxnSp>
+        <p:nvCxnSpPr>
+          <p:cNvPr id="38" name="꺾인 연결선 37"/>
+          <p:cNvCxnSpPr>
+            <a:stCxn id="36" idx="2"/>
+            <a:endCxn id="24" idx="0"/>
+          </p:cNvCxnSpPr>
+          <p:nvPr/>
+        </p:nvCxnSpPr>
+        <p:spPr>
+          <a:xfrm rot="16200000" flipH="1">
+            <a:off x="6726027" y="-162880"/>
+            <a:ext cx="647749" cy="3943721"/>
+          </a:xfrm>
+          <a:prstGeom prst="bentConnector3">
+            <a:avLst>
+              <a:gd name="adj1" fmla="val 50000"/>
+            </a:avLst>
+          </a:prstGeom>
+          <a:ln w="19050">
+            <a:solidFill>
+              <a:schemeClr val="bg1">
+                <a:lumMod val="50000"/>
+              </a:schemeClr>
+            </a:solidFill>
+            <a:tailEnd type="arrow"/>
+          </a:ln>
+        </p:spPr>
+        <p:style>
+          <a:lnRef idx="1">
+            <a:schemeClr val="accent1"/>
+          </a:lnRef>
+          <a:fillRef idx="0">
+            <a:schemeClr val="accent1"/>
+          </a:fillRef>
+          <a:effectRef idx="0">
+            <a:schemeClr val="accent1"/>
+          </a:effectRef>
+          <a:fontRef idx="minor">
+            <a:schemeClr val="tx1"/>
+          </a:fontRef>
+        </p:style>
+      </p:cxnSp>
+      <p:cxnSp>
+        <p:nvCxnSpPr>
+          <p:cNvPr id="46" name="직선 화살표 연결선 45"/>
+          <p:cNvCxnSpPr>
+            <a:stCxn id="36" idx="2"/>
+            <a:endCxn id="15" idx="0"/>
+          </p:cNvCxnSpPr>
+          <p:nvPr/>
+        </p:nvCxnSpPr>
+        <p:spPr>
+          <a:xfrm flipH="1">
+            <a:off x="5076789" y="1485107"/>
+            <a:ext cx="1252" cy="647749"/>
+          </a:xfrm>
+          <a:prstGeom prst="straightConnector1">
+            <a:avLst/>
+          </a:prstGeom>
+          <a:ln w="19050">
+            <a:solidFill>
+              <a:schemeClr val="bg1">
+                <a:lumMod val="50000"/>
+              </a:schemeClr>
+            </a:solidFill>
+            <a:tailEnd type="arrow"/>
+          </a:ln>
+        </p:spPr>
+        <p:style>
+          <a:lnRef idx="1">
+            <a:schemeClr val="accent1"/>
+          </a:lnRef>
+          <a:fillRef idx="0">
+            <a:schemeClr val="accent1"/>
+          </a:fillRef>
+          <a:effectRef idx="0">
+            <a:schemeClr val="accent1"/>
+          </a:effectRef>
+          <a:fontRef idx="minor">
+            <a:schemeClr val="tx1"/>
+          </a:fontRef>
+        </p:style>
+      </p:cxnSp>
     </p:spTree>
     <p:extLst>
       <p:ext uri="{BB962C8B-B14F-4D97-AF65-F5344CB8AC3E}">
-        <p14:creationId xmlns:p14="http://schemas.microsoft.com/office/powerpoint/2010/main" val="3485971710"/>
+        <p14:creationId xmlns:p14="http://schemas.microsoft.com/office/powerpoint/2010/main" xmlns="" val="3485971710"/>
       </p:ext>
     </p:extLst>
   </p:cSld>
